--- a/ppt 16-9/0430.当顺服主差遣.pptx
+++ b/ppt 16-9/0430.当顺服主差遣.pptx
@@ -5,7 +5,7 @@
     <p:sldMasterId id="2147483648" r:id="rId1"/>
   </p:sldMasterIdLst>
   <p:sldIdLst>
-    <p:sldId id="2911" r:id="rId2"/>
+    <p:sldId id="2913" r:id="rId2"/>
   </p:sldIdLst>
   <p:sldSz cx="12192000" cy="6858000"/>
   <p:notesSz cx="6858000" cy="9144000"/>
@@ -129,7 +129,7 @@
           <p:cNvPr id="2" name="标题 1">
             <a:extLst>
               <a:ext uri="{FF2B5EF4-FFF2-40B4-BE49-F238E27FC236}">
-                <a16:creationId xmlns:a16="http://schemas.microsoft.com/office/drawing/2014/main" id="{FC44E54F-E0BE-3D32-8962-B7BEA044F04F}"/>
+                <a16:creationId xmlns:a16="http://schemas.microsoft.com/office/drawing/2014/main" id="{12CD972D-1B71-C968-F5E0-861B3AE078BF}"/>
               </a:ext>
             </a:extLst>
           </p:cNvPr>
@@ -166,7 +166,7 @@
           <p:cNvPr id="3" name="副标题 2">
             <a:extLst>
               <a:ext uri="{FF2B5EF4-FFF2-40B4-BE49-F238E27FC236}">
-                <a16:creationId xmlns:a16="http://schemas.microsoft.com/office/drawing/2014/main" id="{436A6D15-18BE-7736-6FEA-34C689383AE7}"/>
+                <a16:creationId xmlns:a16="http://schemas.microsoft.com/office/drawing/2014/main" id="{DB8E7601-1487-76C8-3A81-A1DF804A1C9D}"/>
               </a:ext>
             </a:extLst>
           </p:cNvPr>
@@ -236,7 +236,7 @@
           <p:cNvPr id="4" name="日期占位符 3">
             <a:extLst>
               <a:ext uri="{FF2B5EF4-FFF2-40B4-BE49-F238E27FC236}">
-                <a16:creationId xmlns:a16="http://schemas.microsoft.com/office/drawing/2014/main" id="{2566366F-1955-D942-DF7A-319780904023}"/>
+                <a16:creationId xmlns:a16="http://schemas.microsoft.com/office/drawing/2014/main" id="{11B58031-0D96-A701-95A9-53D4C4053D02}"/>
               </a:ext>
             </a:extLst>
           </p:cNvPr>
@@ -252,7 +252,7 @@
           <a:bodyPr/>
           <a:lstStyle/>
           <a:p>
-            <a:fld id="{6A92E900-2AA1-4C23-9729-14B850A08BA0}" type="datetimeFigureOut">
+            <a:fld id="{CEFDB355-7DC2-42C3-ABC7-3DACF8427651}" type="datetimeFigureOut">
               <a:rPr lang="zh-CN" altLang="en-US" smtClean="0"/>
               <a:t>2024/3/10</a:t>
             </a:fld>
@@ -265,7 +265,7 @@
           <p:cNvPr id="5" name="页脚占位符 4">
             <a:extLst>
               <a:ext uri="{FF2B5EF4-FFF2-40B4-BE49-F238E27FC236}">
-                <a16:creationId xmlns:a16="http://schemas.microsoft.com/office/drawing/2014/main" id="{8C99AE5C-DDC1-3D61-365A-E05EB3476257}"/>
+                <a16:creationId xmlns:a16="http://schemas.microsoft.com/office/drawing/2014/main" id="{7F5032FF-90B0-03EF-FFF3-2446FCDBE99F}"/>
               </a:ext>
             </a:extLst>
           </p:cNvPr>
@@ -290,7 +290,7 @@
           <p:cNvPr id="6" name="灯片编号占位符 5">
             <a:extLst>
               <a:ext uri="{FF2B5EF4-FFF2-40B4-BE49-F238E27FC236}">
-                <a16:creationId xmlns:a16="http://schemas.microsoft.com/office/drawing/2014/main" id="{6FA141E0-9AFE-2727-19E8-DB9DD0F3C19E}"/>
+                <a16:creationId xmlns:a16="http://schemas.microsoft.com/office/drawing/2014/main" id="{2AD49AD3-7CE4-ECA3-ADC4-991CF40D0FF2}"/>
               </a:ext>
             </a:extLst>
           </p:cNvPr>
@@ -306,7 +306,7 @@
           <a:bodyPr/>
           <a:lstStyle/>
           <a:p>
-            <a:fld id="{3076BB10-9C29-4FFC-95BF-9013F3E08C43}" type="slidenum">
+            <a:fld id="{7FADD250-9C0C-4FA1-A7A4-88F4B6C6E99C}" type="slidenum">
               <a:rPr lang="zh-CN" altLang="en-US" smtClean="0"/>
               <a:t>‹#›</a:t>
             </a:fld>
@@ -317,7 +317,7 @@
     </p:spTree>
     <p:extLst>
       <p:ext uri="{BB962C8B-B14F-4D97-AF65-F5344CB8AC3E}">
-        <p14:creationId xmlns:p14="http://schemas.microsoft.com/office/powerpoint/2010/main" val="4129309072"/>
+        <p14:creationId xmlns:p14="http://schemas.microsoft.com/office/powerpoint/2010/main" val="1048079810"/>
       </p:ext>
     </p:extLst>
   </p:cSld>
@@ -349,7 +349,7 @@
           <p:cNvPr id="2" name="标题 1">
             <a:extLst>
               <a:ext uri="{FF2B5EF4-FFF2-40B4-BE49-F238E27FC236}">
-                <a16:creationId xmlns:a16="http://schemas.microsoft.com/office/drawing/2014/main" id="{2FCC3A1B-F86C-2C34-DDCE-6BA9A586974C}"/>
+                <a16:creationId xmlns:a16="http://schemas.microsoft.com/office/drawing/2014/main" id="{C7043473-1D3C-0060-4A90-48D1A0D5DDB4}"/>
               </a:ext>
             </a:extLst>
           </p:cNvPr>
@@ -377,7 +377,7 @@
           <p:cNvPr id="3" name="竖排文字占位符 2">
             <a:extLst>
               <a:ext uri="{FF2B5EF4-FFF2-40B4-BE49-F238E27FC236}">
-                <a16:creationId xmlns:a16="http://schemas.microsoft.com/office/drawing/2014/main" id="{8794A3CE-82EE-7290-2B97-772D5EAF7F59}"/>
+                <a16:creationId xmlns:a16="http://schemas.microsoft.com/office/drawing/2014/main" id="{2A940202-6C67-255D-FB8F-48A2C9B1F1D1}"/>
               </a:ext>
             </a:extLst>
           </p:cNvPr>
@@ -434,7 +434,7 @@
           <p:cNvPr id="4" name="日期占位符 3">
             <a:extLst>
               <a:ext uri="{FF2B5EF4-FFF2-40B4-BE49-F238E27FC236}">
-                <a16:creationId xmlns:a16="http://schemas.microsoft.com/office/drawing/2014/main" id="{F388ED10-EDCB-4056-F4B9-B166016B0E27}"/>
+                <a16:creationId xmlns:a16="http://schemas.microsoft.com/office/drawing/2014/main" id="{36ED7CED-36FC-9DA8-30A7-8F067576B9D6}"/>
               </a:ext>
             </a:extLst>
           </p:cNvPr>
@@ -450,7 +450,7 @@
           <a:bodyPr/>
           <a:lstStyle/>
           <a:p>
-            <a:fld id="{6A92E900-2AA1-4C23-9729-14B850A08BA0}" type="datetimeFigureOut">
+            <a:fld id="{CEFDB355-7DC2-42C3-ABC7-3DACF8427651}" type="datetimeFigureOut">
               <a:rPr lang="zh-CN" altLang="en-US" smtClean="0"/>
               <a:t>2024/3/10</a:t>
             </a:fld>
@@ -463,7 +463,7 @@
           <p:cNvPr id="5" name="页脚占位符 4">
             <a:extLst>
               <a:ext uri="{FF2B5EF4-FFF2-40B4-BE49-F238E27FC236}">
-                <a16:creationId xmlns:a16="http://schemas.microsoft.com/office/drawing/2014/main" id="{54BEC15A-DDB7-76D7-FA71-6BDD7B2D3FA3}"/>
+                <a16:creationId xmlns:a16="http://schemas.microsoft.com/office/drawing/2014/main" id="{D150309A-0EB8-5AE8-FAA5-F4D2DC73ACD7}"/>
               </a:ext>
             </a:extLst>
           </p:cNvPr>
@@ -488,7 +488,7 @@
           <p:cNvPr id="6" name="灯片编号占位符 5">
             <a:extLst>
               <a:ext uri="{FF2B5EF4-FFF2-40B4-BE49-F238E27FC236}">
-                <a16:creationId xmlns:a16="http://schemas.microsoft.com/office/drawing/2014/main" id="{AF3BA85C-B03F-48D5-210F-7825C497B549}"/>
+                <a16:creationId xmlns:a16="http://schemas.microsoft.com/office/drawing/2014/main" id="{04AAD83C-69A1-61F8-FE8E-8365EE94A625}"/>
               </a:ext>
             </a:extLst>
           </p:cNvPr>
@@ -504,7 +504,7 @@
           <a:bodyPr/>
           <a:lstStyle/>
           <a:p>
-            <a:fld id="{3076BB10-9C29-4FFC-95BF-9013F3E08C43}" type="slidenum">
+            <a:fld id="{7FADD250-9C0C-4FA1-A7A4-88F4B6C6E99C}" type="slidenum">
               <a:rPr lang="zh-CN" altLang="en-US" smtClean="0"/>
               <a:t>‹#›</a:t>
             </a:fld>
@@ -515,7 +515,7 @@
     </p:spTree>
     <p:extLst>
       <p:ext uri="{BB962C8B-B14F-4D97-AF65-F5344CB8AC3E}">
-        <p14:creationId xmlns:p14="http://schemas.microsoft.com/office/powerpoint/2010/main" val="1856442665"/>
+        <p14:creationId xmlns:p14="http://schemas.microsoft.com/office/powerpoint/2010/main" val="2900253427"/>
       </p:ext>
     </p:extLst>
   </p:cSld>
@@ -547,7 +547,7 @@
           <p:cNvPr id="2" name="竖排标题 1">
             <a:extLst>
               <a:ext uri="{FF2B5EF4-FFF2-40B4-BE49-F238E27FC236}">
-                <a16:creationId xmlns:a16="http://schemas.microsoft.com/office/drawing/2014/main" id="{54D2E60C-5AAC-86AA-AD1C-824C8C924559}"/>
+                <a16:creationId xmlns:a16="http://schemas.microsoft.com/office/drawing/2014/main" id="{22B09A18-F729-1B72-58A5-A5BB0A1C77CF}"/>
               </a:ext>
             </a:extLst>
           </p:cNvPr>
@@ -580,7 +580,7 @@
           <p:cNvPr id="3" name="竖排文字占位符 2">
             <a:extLst>
               <a:ext uri="{FF2B5EF4-FFF2-40B4-BE49-F238E27FC236}">
-                <a16:creationId xmlns:a16="http://schemas.microsoft.com/office/drawing/2014/main" id="{5E3770E0-B2DC-8277-B66B-F49BFD02DAE2}"/>
+                <a16:creationId xmlns:a16="http://schemas.microsoft.com/office/drawing/2014/main" id="{F87B9C51-8473-72C9-B4C3-56D3ED5FC37E}"/>
               </a:ext>
             </a:extLst>
           </p:cNvPr>
@@ -642,7 +642,7 @@
           <p:cNvPr id="4" name="日期占位符 3">
             <a:extLst>
               <a:ext uri="{FF2B5EF4-FFF2-40B4-BE49-F238E27FC236}">
-                <a16:creationId xmlns:a16="http://schemas.microsoft.com/office/drawing/2014/main" id="{2D4A3F24-70BD-2ADA-15B2-D07431E412DE}"/>
+                <a16:creationId xmlns:a16="http://schemas.microsoft.com/office/drawing/2014/main" id="{82632AE2-1298-FB77-82B5-0F28939ABEAE}"/>
               </a:ext>
             </a:extLst>
           </p:cNvPr>
@@ -658,7 +658,7 @@
           <a:bodyPr/>
           <a:lstStyle/>
           <a:p>
-            <a:fld id="{6A92E900-2AA1-4C23-9729-14B850A08BA0}" type="datetimeFigureOut">
+            <a:fld id="{CEFDB355-7DC2-42C3-ABC7-3DACF8427651}" type="datetimeFigureOut">
               <a:rPr lang="zh-CN" altLang="en-US" smtClean="0"/>
               <a:t>2024/3/10</a:t>
             </a:fld>
@@ -671,7 +671,7 @@
           <p:cNvPr id="5" name="页脚占位符 4">
             <a:extLst>
               <a:ext uri="{FF2B5EF4-FFF2-40B4-BE49-F238E27FC236}">
-                <a16:creationId xmlns:a16="http://schemas.microsoft.com/office/drawing/2014/main" id="{286BD5A3-B16B-FF32-5747-80DE4BA40F34}"/>
+                <a16:creationId xmlns:a16="http://schemas.microsoft.com/office/drawing/2014/main" id="{90159EAE-AF2B-DEA1-204B-5CC8CD90AE92}"/>
               </a:ext>
             </a:extLst>
           </p:cNvPr>
@@ -696,7 +696,7 @@
           <p:cNvPr id="6" name="灯片编号占位符 5">
             <a:extLst>
               <a:ext uri="{FF2B5EF4-FFF2-40B4-BE49-F238E27FC236}">
-                <a16:creationId xmlns:a16="http://schemas.microsoft.com/office/drawing/2014/main" id="{08D46A2F-8CA9-8E8D-98C9-1F2780220850}"/>
+                <a16:creationId xmlns:a16="http://schemas.microsoft.com/office/drawing/2014/main" id="{5C92A75F-10E1-1B17-8B5A-D2F2085BB985}"/>
               </a:ext>
             </a:extLst>
           </p:cNvPr>
@@ -712,7 +712,7 @@
           <a:bodyPr/>
           <a:lstStyle/>
           <a:p>
-            <a:fld id="{3076BB10-9C29-4FFC-95BF-9013F3E08C43}" type="slidenum">
+            <a:fld id="{7FADD250-9C0C-4FA1-A7A4-88F4B6C6E99C}" type="slidenum">
               <a:rPr lang="zh-CN" altLang="en-US" smtClean="0"/>
               <a:t>‹#›</a:t>
             </a:fld>
@@ -723,7 +723,7 @@
     </p:spTree>
     <p:extLst>
       <p:ext uri="{BB962C8B-B14F-4D97-AF65-F5344CB8AC3E}">
-        <p14:creationId xmlns:p14="http://schemas.microsoft.com/office/powerpoint/2010/main" val="3756268947"/>
+        <p14:creationId xmlns:p14="http://schemas.microsoft.com/office/powerpoint/2010/main" val="3932313398"/>
       </p:ext>
     </p:extLst>
   </p:cSld>
@@ -755,7 +755,7 @@
           <p:cNvPr id="2" name="标题 1">
             <a:extLst>
               <a:ext uri="{FF2B5EF4-FFF2-40B4-BE49-F238E27FC236}">
-                <a16:creationId xmlns:a16="http://schemas.microsoft.com/office/drawing/2014/main" id="{8D5C4183-B3B5-8B37-223A-87D19C259150}"/>
+                <a16:creationId xmlns:a16="http://schemas.microsoft.com/office/drawing/2014/main" id="{A3417570-CE12-78B8-D1B3-615A8F1DACD1}"/>
               </a:ext>
             </a:extLst>
           </p:cNvPr>
@@ -783,7 +783,7 @@
           <p:cNvPr id="3" name="内容占位符 2">
             <a:extLst>
               <a:ext uri="{FF2B5EF4-FFF2-40B4-BE49-F238E27FC236}">
-                <a16:creationId xmlns:a16="http://schemas.microsoft.com/office/drawing/2014/main" id="{2073C121-45B6-800B-640E-9A2FBF5882A3}"/>
+                <a16:creationId xmlns:a16="http://schemas.microsoft.com/office/drawing/2014/main" id="{3C3DC0C7-6B28-0C91-9596-5E88E2A862EA}"/>
               </a:ext>
             </a:extLst>
           </p:cNvPr>
@@ -840,7 +840,7 @@
           <p:cNvPr id="4" name="日期占位符 3">
             <a:extLst>
               <a:ext uri="{FF2B5EF4-FFF2-40B4-BE49-F238E27FC236}">
-                <a16:creationId xmlns:a16="http://schemas.microsoft.com/office/drawing/2014/main" id="{1DCA2D65-C928-35D9-CA6E-808FACE580BE}"/>
+                <a16:creationId xmlns:a16="http://schemas.microsoft.com/office/drawing/2014/main" id="{D6C22AA1-2DBA-D8E5-6575-7DD5F09AEE56}"/>
               </a:ext>
             </a:extLst>
           </p:cNvPr>
@@ -856,7 +856,7 @@
           <a:bodyPr/>
           <a:lstStyle/>
           <a:p>
-            <a:fld id="{6A92E900-2AA1-4C23-9729-14B850A08BA0}" type="datetimeFigureOut">
+            <a:fld id="{CEFDB355-7DC2-42C3-ABC7-3DACF8427651}" type="datetimeFigureOut">
               <a:rPr lang="zh-CN" altLang="en-US" smtClean="0"/>
               <a:t>2024/3/10</a:t>
             </a:fld>
@@ -869,7 +869,7 @@
           <p:cNvPr id="5" name="页脚占位符 4">
             <a:extLst>
               <a:ext uri="{FF2B5EF4-FFF2-40B4-BE49-F238E27FC236}">
-                <a16:creationId xmlns:a16="http://schemas.microsoft.com/office/drawing/2014/main" id="{E9D9ABA0-EA3E-E4CE-F84D-0D710D7EF581}"/>
+                <a16:creationId xmlns:a16="http://schemas.microsoft.com/office/drawing/2014/main" id="{D5B503B7-F424-5DF9-DD48-3EBE1BF0A932}"/>
               </a:ext>
             </a:extLst>
           </p:cNvPr>
@@ -894,7 +894,7 @@
           <p:cNvPr id="6" name="灯片编号占位符 5">
             <a:extLst>
               <a:ext uri="{FF2B5EF4-FFF2-40B4-BE49-F238E27FC236}">
-                <a16:creationId xmlns:a16="http://schemas.microsoft.com/office/drawing/2014/main" id="{9CE53AB2-5D1F-C907-28EA-D8335D50CE52}"/>
+                <a16:creationId xmlns:a16="http://schemas.microsoft.com/office/drawing/2014/main" id="{FD4FEE29-5A24-E9D5-38FB-90BA889CB9BA}"/>
               </a:ext>
             </a:extLst>
           </p:cNvPr>
@@ -910,7 +910,7 @@
           <a:bodyPr/>
           <a:lstStyle/>
           <a:p>
-            <a:fld id="{3076BB10-9C29-4FFC-95BF-9013F3E08C43}" type="slidenum">
+            <a:fld id="{7FADD250-9C0C-4FA1-A7A4-88F4B6C6E99C}" type="slidenum">
               <a:rPr lang="zh-CN" altLang="en-US" smtClean="0"/>
               <a:t>‹#›</a:t>
             </a:fld>
@@ -921,7 +921,7 @@
     </p:spTree>
     <p:extLst>
       <p:ext uri="{BB962C8B-B14F-4D97-AF65-F5344CB8AC3E}">
-        <p14:creationId xmlns:p14="http://schemas.microsoft.com/office/powerpoint/2010/main" val="798521825"/>
+        <p14:creationId xmlns:p14="http://schemas.microsoft.com/office/powerpoint/2010/main" val="2225948098"/>
       </p:ext>
     </p:extLst>
   </p:cSld>
@@ -953,7 +953,7 @@
           <p:cNvPr id="2" name="标题 1">
             <a:extLst>
               <a:ext uri="{FF2B5EF4-FFF2-40B4-BE49-F238E27FC236}">
-                <a16:creationId xmlns:a16="http://schemas.microsoft.com/office/drawing/2014/main" id="{A4F8E29B-D0C4-B2B1-807B-B658FB4FF796}"/>
+                <a16:creationId xmlns:a16="http://schemas.microsoft.com/office/drawing/2014/main" id="{1A358D98-6F43-9023-FCAF-47CF3A7ADE16}"/>
               </a:ext>
             </a:extLst>
           </p:cNvPr>
@@ -990,7 +990,7 @@
           <p:cNvPr id="3" name="文本占位符 2">
             <a:extLst>
               <a:ext uri="{FF2B5EF4-FFF2-40B4-BE49-F238E27FC236}">
-                <a16:creationId xmlns:a16="http://schemas.microsoft.com/office/drawing/2014/main" id="{5DA00826-B965-D079-3576-18C553A2E01B}"/>
+                <a16:creationId xmlns:a16="http://schemas.microsoft.com/office/drawing/2014/main" id="{F2F00BB6-0444-3F57-1289-761480337456}"/>
               </a:ext>
             </a:extLst>
           </p:cNvPr>
@@ -1115,7 +1115,7 @@
           <p:cNvPr id="4" name="日期占位符 3">
             <a:extLst>
               <a:ext uri="{FF2B5EF4-FFF2-40B4-BE49-F238E27FC236}">
-                <a16:creationId xmlns:a16="http://schemas.microsoft.com/office/drawing/2014/main" id="{3C51BE55-3338-CE9D-30D2-7AA9EDD5A48D}"/>
+                <a16:creationId xmlns:a16="http://schemas.microsoft.com/office/drawing/2014/main" id="{21387D74-693F-B110-1652-E61BC9259246}"/>
               </a:ext>
             </a:extLst>
           </p:cNvPr>
@@ -1131,7 +1131,7 @@
           <a:bodyPr/>
           <a:lstStyle/>
           <a:p>
-            <a:fld id="{6A92E900-2AA1-4C23-9729-14B850A08BA0}" type="datetimeFigureOut">
+            <a:fld id="{CEFDB355-7DC2-42C3-ABC7-3DACF8427651}" type="datetimeFigureOut">
               <a:rPr lang="zh-CN" altLang="en-US" smtClean="0"/>
               <a:t>2024/3/10</a:t>
             </a:fld>
@@ -1144,7 +1144,7 @@
           <p:cNvPr id="5" name="页脚占位符 4">
             <a:extLst>
               <a:ext uri="{FF2B5EF4-FFF2-40B4-BE49-F238E27FC236}">
-                <a16:creationId xmlns:a16="http://schemas.microsoft.com/office/drawing/2014/main" id="{40D01864-BC3F-DA60-3A9E-86B5DF15F242}"/>
+                <a16:creationId xmlns:a16="http://schemas.microsoft.com/office/drawing/2014/main" id="{B3C22F66-05AC-28F4-6D2B-B10A4C8E1ABC}"/>
               </a:ext>
             </a:extLst>
           </p:cNvPr>
@@ -1169,7 +1169,7 @@
           <p:cNvPr id="6" name="灯片编号占位符 5">
             <a:extLst>
               <a:ext uri="{FF2B5EF4-FFF2-40B4-BE49-F238E27FC236}">
-                <a16:creationId xmlns:a16="http://schemas.microsoft.com/office/drawing/2014/main" id="{853FD646-C4BD-F052-ADDC-04390920DA59}"/>
+                <a16:creationId xmlns:a16="http://schemas.microsoft.com/office/drawing/2014/main" id="{D75EFA48-0EEB-6E5E-35AE-B7EFB1EAA4DE}"/>
               </a:ext>
             </a:extLst>
           </p:cNvPr>
@@ -1185,7 +1185,7 @@
           <a:bodyPr/>
           <a:lstStyle/>
           <a:p>
-            <a:fld id="{3076BB10-9C29-4FFC-95BF-9013F3E08C43}" type="slidenum">
+            <a:fld id="{7FADD250-9C0C-4FA1-A7A4-88F4B6C6E99C}" type="slidenum">
               <a:rPr lang="zh-CN" altLang="en-US" smtClean="0"/>
               <a:t>‹#›</a:t>
             </a:fld>
@@ -1196,7 +1196,7 @@
     </p:spTree>
     <p:extLst>
       <p:ext uri="{BB962C8B-B14F-4D97-AF65-F5344CB8AC3E}">
-        <p14:creationId xmlns:p14="http://schemas.microsoft.com/office/powerpoint/2010/main" val="2534516099"/>
+        <p14:creationId xmlns:p14="http://schemas.microsoft.com/office/powerpoint/2010/main" val="1100838240"/>
       </p:ext>
     </p:extLst>
   </p:cSld>
@@ -1228,7 +1228,7 @@
           <p:cNvPr id="2" name="标题 1">
             <a:extLst>
               <a:ext uri="{FF2B5EF4-FFF2-40B4-BE49-F238E27FC236}">
-                <a16:creationId xmlns:a16="http://schemas.microsoft.com/office/drawing/2014/main" id="{5ED7DCB3-2619-ECD6-1D1A-EAB74D044EF2}"/>
+                <a16:creationId xmlns:a16="http://schemas.microsoft.com/office/drawing/2014/main" id="{0A983698-0A67-9F17-FD55-22DF9B9606C3}"/>
               </a:ext>
             </a:extLst>
           </p:cNvPr>
@@ -1256,7 +1256,7 @@
           <p:cNvPr id="3" name="内容占位符 2">
             <a:extLst>
               <a:ext uri="{FF2B5EF4-FFF2-40B4-BE49-F238E27FC236}">
-                <a16:creationId xmlns:a16="http://schemas.microsoft.com/office/drawing/2014/main" id="{70A64D94-02DA-8CD2-1BA4-643D4CCD5209}"/>
+                <a16:creationId xmlns:a16="http://schemas.microsoft.com/office/drawing/2014/main" id="{AE9A2A09-398C-BC67-ABB6-745EF79CBB9B}"/>
               </a:ext>
             </a:extLst>
           </p:cNvPr>
@@ -1318,7 +1318,7 @@
           <p:cNvPr id="4" name="内容占位符 3">
             <a:extLst>
               <a:ext uri="{FF2B5EF4-FFF2-40B4-BE49-F238E27FC236}">
-                <a16:creationId xmlns:a16="http://schemas.microsoft.com/office/drawing/2014/main" id="{D2F1AC37-1809-9E6D-A25A-DAE17AD9DE5B}"/>
+                <a16:creationId xmlns:a16="http://schemas.microsoft.com/office/drawing/2014/main" id="{08D4D334-DB3B-1990-F874-B49EC87177BE}"/>
               </a:ext>
             </a:extLst>
           </p:cNvPr>
@@ -1380,7 +1380,7 @@
           <p:cNvPr id="5" name="日期占位符 4">
             <a:extLst>
               <a:ext uri="{FF2B5EF4-FFF2-40B4-BE49-F238E27FC236}">
-                <a16:creationId xmlns:a16="http://schemas.microsoft.com/office/drawing/2014/main" id="{914CC333-8294-5F7C-7E7D-44C0C45D8EE2}"/>
+                <a16:creationId xmlns:a16="http://schemas.microsoft.com/office/drawing/2014/main" id="{ADCCF5FC-2BC2-9955-3E88-83AB83F9A3A9}"/>
               </a:ext>
             </a:extLst>
           </p:cNvPr>
@@ -1396,7 +1396,7 @@
           <a:bodyPr/>
           <a:lstStyle/>
           <a:p>
-            <a:fld id="{6A92E900-2AA1-4C23-9729-14B850A08BA0}" type="datetimeFigureOut">
+            <a:fld id="{CEFDB355-7DC2-42C3-ABC7-3DACF8427651}" type="datetimeFigureOut">
               <a:rPr lang="zh-CN" altLang="en-US" smtClean="0"/>
               <a:t>2024/3/10</a:t>
             </a:fld>
@@ -1409,7 +1409,7 @@
           <p:cNvPr id="6" name="页脚占位符 5">
             <a:extLst>
               <a:ext uri="{FF2B5EF4-FFF2-40B4-BE49-F238E27FC236}">
-                <a16:creationId xmlns:a16="http://schemas.microsoft.com/office/drawing/2014/main" id="{E5736FB4-C0B9-BC23-52E7-E36419754951}"/>
+                <a16:creationId xmlns:a16="http://schemas.microsoft.com/office/drawing/2014/main" id="{55C5B531-2BC7-9EE3-F4DB-8077C419D04C}"/>
               </a:ext>
             </a:extLst>
           </p:cNvPr>
@@ -1434,7 +1434,7 @@
           <p:cNvPr id="7" name="灯片编号占位符 6">
             <a:extLst>
               <a:ext uri="{FF2B5EF4-FFF2-40B4-BE49-F238E27FC236}">
-                <a16:creationId xmlns:a16="http://schemas.microsoft.com/office/drawing/2014/main" id="{4449739B-5CC2-8802-AF1F-8A296C925E01}"/>
+                <a16:creationId xmlns:a16="http://schemas.microsoft.com/office/drawing/2014/main" id="{1D246355-1C16-C2D7-8BC0-6C3E69EE38D4}"/>
               </a:ext>
             </a:extLst>
           </p:cNvPr>
@@ -1450,7 +1450,7 @@
           <a:bodyPr/>
           <a:lstStyle/>
           <a:p>
-            <a:fld id="{3076BB10-9C29-4FFC-95BF-9013F3E08C43}" type="slidenum">
+            <a:fld id="{7FADD250-9C0C-4FA1-A7A4-88F4B6C6E99C}" type="slidenum">
               <a:rPr lang="zh-CN" altLang="en-US" smtClean="0"/>
               <a:t>‹#›</a:t>
             </a:fld>
@@ -1461,7 +1461,7 @@
     </p:spTree>
     <p:extLst>
       <p:ext uri="{BB962C8B-B14F-4D97-AF65-F5344CB8AC3E}">
-        <p14:creationId xmlns:p14="http://schemas.microsoft.com/office/powerpoint/2010/main" val="552619480"/>
+        <p14:creationId xmlns:p14="http://schemas.microsoft.com/office/powerpoint/2010/main" val="1741792550"/>
       </p:ext>
     </p:extLst>
   </p:cSld>
@@ -1493,7 +1493,7 @@
           <p:cNvPr id="2" name="标题 1">
             <a:extLst>
               <a:ext uri="{FF2B5EF4-FFF2-40B4-BE49-F238E27FC236}">
-                <a16:creationId xmlns:a16="http://schemas.microsoft.com/office/drawing/2014/main" id="{055AC963-5E3A-E8F0-35A1-075DBEAFEB40}"/>
+                <a16:creationId xmlns:a16="http://schemas.microsoft.com/office/drawing/2014/main" id="{E5EE9C38-1328-6CF5-37F0-5AEF31DFFFB6}"/>
               </a:ext>
             </a:extLst>
           </p:cNvPr>
@@ -1526,7 +1526,7 @@
           <p:cNvPr id="3" name="文本占位符 2">
             <a:extLst>
               <a:ext uri="{FF2B5EF4-FFF2-40B4-BE49-F238E27FC236}">
-                <a16:creationId xmlns:a16="http://schemas.microsoft.com/office/drawing/2014/main" id="{6F49490B-6759-4A50-1A65-3D1A7FB246DD}"/>
+                <a16:creationId xmlns:a16="http://schemas.microsoft.com/office/drawing/2014/main" id="{6984FFE3-9F5A-8D43-557C-4CE2DEFAC4F6}"/>
               </a:ext>
             </a:extLst>
           </p:cNvPr>
@@ -1597,7 +1597,7 @@
           <p:cNvPr id="4" name="内容占位符 3">
             <a:extLst>
               <a:ext uri="{FF2B5EF4-FFF2-40B4-BE49-F238E27FC236}">
-                <a16:creationId xmlns:a16="http://schemas.microsoft.com/office/drawing/2014/main" id="{AE6CE7A4-E584-A96D-F4EF-8CD014C53EF0}"/>
+                <a16:creationId xmlns:a16="http://schemas.microsoft.com/office/drawing/2014/main" id="{C21B547F-8051-EB86-EC49-90A3735EFF0A}"/>
               </a:ext>
             </a:extLst>
           </p:cNvPr>
@@ -1659,7 +1659,7 @@
           <p:cNvPr id="5" name="文本占位符 4">
             <a:extLst>
               <a:ext uri="{FF2B5EF4-FFF2-40B4-BE49-F238E27FC236}">
-                <a16:creationId xmlns:a16="http://schemas.microsoft.com/office/drawing/2014/main" id="{77A26707-F8B2-7476-5D61-3E3EA41AB680}"/>
+                <a16:creationId xmlns:a16="http://schemas.microsoft.com/office/drawing/2014/main" id="{9493F11E-4B47-9034-2494-976DD2B83CA2}"/>
               </a:ext>
             </a:extLst>
           </p:cNvPr>
@@ -1730,7 +1730,7 @@
           <p:cNvPr id="6" name="内容占位符 5">
             <a:extLst>
               <a:ext uri="{FF2B5EF4-FFF2-40B4-BE49-F238E27FC236}">
-                <a16:creationId xmlns:a16="http://schemas.microsoft.com/office/drawing/2014/main" id="{7A45238F-8506-8779-3792-9A8BDE2C22D2}"/>
+                <a16:creationId xmlns:a16="http://schemas.microsoft.com/office/drawing/2014/main" id="{D8CF5975-0488-A798-2FC5-49B52E8A157A}"/>
               </a:ext>
             </a:extLst>
           </p:cNvPr>
@@ -1792,7 +1792,7 @@
           <p:cNvPr id="7" name="日期占位符 6">
             <a:extLst>
               <a:ext uri="{FF2B5EF4-FFF2-40B4-BE49-F238E27FC236}">
-                <a16:creationId xmlns:a16="http://schemas.microsoft.com/office/drawing/2014/main" id="{D7617354-DFEE-9C43-F2BA-AE9F57C95623}"/>
+                <a16:creationId xmlns:a16="http://schemas.microsoft.com/office/drawing/2014/main" id="{A8921648-31DD-09A0-452D-F4CFED67E939}"/>
               </a:ext>
             </a:extLst>
           </p:cNvPr>
@@ -1808,7 +1808,7 @@
           <a:bodyPr/>
           <a:lstStyle/>
           <a:p>
-            <a:fld id="{6A92E900-2AA1-4C23-9729-14B850A08BA0}" type="datetimeFigureOut">
+            <a:fld id="{CEFDB355-7DC2-42C3-ABC7-3DACF8427651}" type="datetimeFigureOut">
               <a:rPr lang="zh-CN" altLang="en-US" smtClean="0"/>
               <a:t>2024/3/10</a:t>
             </a:fld>
@@ -1821,7 +1821,7 @@
           <p:cNvPr id="8" name="页脚占位符 7">
             <a:extLst>
               <a:ext uri="{FF2B5EF4-FFF2-40B4-BE49-F238E27FC236}">
-                <a16:creationId xmlns:a16="http://schemas.microsoft.com/office/drawing/2014/main" id="{869CC6BE-D0D5-F6FB-6F3A-2A29AE877066}"/>
+                <a16:creationId xmlns:a16="http://schemas.microsoft.com/office/drawing/2014/main" id="{6D1F2C20-6816-87EA-50DD-4D58DB76F276}"/>
               </a:ext>
             </a:extLst>
           </p:cNvPr>
@@ -1846,7 +1846,7 @@
           <p:cNvPr id="9" name="灯片编号占位符 8">
             <a:extLst>
               <a:ext uri="{FF2B5EF4-FFF2-40B4-BE49-F238E27FC236}">
-                <a16:creationId xmlns:a16="http://schemas.microsoft.com/office/drawing/2014/main" id="{B09D5D90-7D5D-2660-F7C1-E9AF93EA9B4C}"/>
+                <a16:creationId xmlns:a16="http://schemas.microsoft.com/office/drawing/2014/main" id="{7BD15AC8-5D62-845B-CDC6-F7F8D326CD5E}"/>
               </a:ext>
             </a:extLst>
           </p:cNvPr>
@@ -1862,7 +1862,7 @@
           <a:bodyPr/>
           <a:lstStyle/>
           <a:p>
-            <a:fld id="{3076BB10-9C29-4FFC-95BF-9013F3E08C43}" type="slidenum">
+            <a:fld id="{7FADD250-9C0C-4FA1-A7A4-88F4B6C6E99C}" type="slidenum">
               <a:rPr lang="zh-CN" altLang="en-US" smtClean="0"/>
               <a:t>‹#›</a:t>
             </a:fld>
@@ -1873,7 +1873,7 @@
     </p:spTree>
     <p:extLst>
       <p:ext uri="{BB962C8B-B14F-4D97-AF65-F5344CB8AC3E}">
-        <p14:creationId xmlns:p14="http://schemas.microsoft.com/office/powerpoint/2010/main" val="1123936284"/>
+        <p14:creationId xmlns:p14="http://schemas.microsoft.com/office/powerpoint/2010/main" val="2715280686"/>
       </p:ext>
     </p:extLst>
   </p:cSld>
@@ -1905,7 +1905,7 @@
           <p:cNvPr id="2" name="标题 1">
             <a:extLst>
               <a:ext uri="{FF2B5EF4-FFF2-40B4-BE49-F238E27FC236}">
-                <a16:creationId xmlns:a16="http://schemas.microsoft.com/office/drawing/2014/main" id="{A4CC79E9-0498-92EB-9BE5-176801D1125B}"/>
+                <a16:creationId xmlns:a16="http://schemas.microsoft.com/office/drawing/2014/main" id="{2F93EFC8-02B9-ED64-B509-4ED84BD7F7BC}"/>
               </a:ext>
             </a:extLst>
           </p:cNvPr>
@@ -1933,7 +1933,7 @@
           <p:cNvPr id="3" name="日期占位符 2">
             <a:extLst>
               <a:ext uri="{FF2B5EF4-FFF2-40B4-BE49-F238E27FC236}">
-                <a16:creationId xmlns:a16="http://schemas.microsoft.com/office/drawing/2014/main" id="{2F49CA8C-A974-768C-63F0-7D2AC741AD62}"/>
+                <a16:creationId xmlns:a16="http://schemas.microsoft.com/office/drawing/2014/main" id="{A36DEA68-27F5-7574-0020-592C6D3F9432}"/>
               </a:ext>
             </a:extLst>
           </p:cNvPr>
@@ -1949,7 +1949,7 @@
           <a:bodyPr/>
           <a:lstStyle/>
           <a:p>
-            <a:fld id="{6A92E900-2AA1-4C23-9729-14B850A08BA0}" type="datetimeFigureOut">
+            <a:fld id="{CEFDB355-7DC2-42C3-ABC7-3DACF8427651}" type="datetimeFigureOut">
               <a:rPr lang="zh-CN" altLang="en-US" smtClean="0"/>
               <a:t>2024/3/10</a:t>
             </a:fld>
@@ -1962,7 +1962,7 @@
           <p:cNvPr id="4" name="页脚占位符 3">
             <a:extLst>
               <a:ext uri="{FF2B5EF4-FFF2-40B4-BE49-F238E27FC236}">
-                <a16:creationId xmlns:a16="http://schemas.microsoft.com/office/drawing/2014/main" id="{B0C5C36F-F6FD-3512-1D1C-6C144ECF1FC8}"/>
+                <a16:creationId xmlns:a16="http://schemas.microsoft.com/office/drawing/2014/main" id="{BC450BBD-079C-74D6-4EAA-86E9995AB047}"/>
               </a:ext>
             </a:extLst>
           </p:cNvPr>
@@ -1987,7 +1987,7 @@
           <p:cNvPr id="5" name="灯片编号占位符 4">
             <a:extLst>
               <a:ext uri="{FF2B5EF4-FFF2-40B4-BE49-F238E27FC236}">
-                <a16:creationId xmlns:a16="http://schemas.microsoft.com/office/drawing/2014/main" id="{7DBA0294-DA22-386E-CE04-F31F56C85ADB}"/>
+                <a16:creationId xmlns:a16="http://schemas.microsoft.com/office/drawing/2014/main" id="{53EF9F36-798D-C6B6-C87F-CC464E60AD83}"/>
               </a:ext>
             </a:extLst>
           </p:cNvPr>
@@ -2003,7 +2003,7 @@
           <a:bodyPr/>
           <a:lstStyle/>
           <a:p>
-            <a:fld id="{3076BB10-9C29-4FFC-95BF-9013F3E08C43}" type="slidenum">
+            <a:fld id="{7FADD250-9C0C-4FA1-A7A4-88F4B6C6E99C}" type="slidenum">
               <a:rPr lang="zh-CN" altLang="en-US" smtClean="0"/>
               <a:t>‹#›</a:t>
             </a:fld>
@@ -2014,7 +2014,7 @@
     </p:spTree>
     <p:extLst>
       <p:ext uri="{BB962C8B-B14F-4D97-AF65-F5344CB8AC3E}">
-        <p14:creationId xmlns:p14="http://schemas.microsoft.com/office/powerpoint/2010/main" val="671288840"/>
+        <p14:creationId xmlns:p14="http://schemas.microsoft.com/office/powerpoint/2010/main" val="1460486470"/>
       </p:ext>
     </p:extLst>
   </p:cSld>
@@ -2046,7 +2046,7 @@
           <p:cNvPr id="2" name="日期占位符 1">
             <a:extLst>
               <a:ext uri="{FF2B5EF4-FFF2-40B4-BE49-F238E27FC236}">
-                <a16:creationId xmlns:a16="http://schemas.microsoft.com/office/drawing/2014/main" id="{A7C716A1-75E5-4D1C-6F00-49EA1C13E1C0}"/>
+                <a16:creationId xmlns:a16="http://schemas.microsoft.com/office/drawing/2014/main" id="{4CBD3EF2-B130-3FA7-23FF-E59C8F77CD40}"/>
               </a:ext>
             </a:extLst>
           </p:cNvPr>
@@ -2062,7 +2062,7 @@
           <a:bodyPr/>
           <a:lstStyle/>
           <a:p>
-            <a:fld id="{6A92E900-2AA1-4C23-9729-14B850A08BA0}" type="datetimeFigureOut">
+            <a:fld id="{CEFDB355-7DC2-42C3-ABC7-3DACF8427651}" type="datetimeFigureOut">
               <a:rPr lang="zh-CN" altLang="en-US" smtClean="0"/>
               <a:t>2024/3/10</a:t>
             </a:fld>
@@ -2075,7 +2075,7 @@
           <p:cNvPr id="3" name="页脚占位符 2">
             <a:extLst>
               <a:ext uri="{FF2B5EF4-FFF2-40B4-BE49-F238E27FC236}">
-                <a16:creationId xmlns:a16="http://schemas.microsoft.com/office/drawing/2014/main" id="{FBC4CE39-65FB-53D4-61B7-2875D5D61272}"/>
+                <a16:creationId xmlns:a16="http://schemas.microsoft.com/office/drawing/2014/main" id="{233609D0-0DD6-535D-431D-BB6AD5304EB6}"/>
               </a:ext>
             </a:extLst>
           </p:cNvPr>
@@ -2100,7 +2100,7 @@
           <p:cNvPr id="4" name="灯片编号占位符 3">
             <a:extLst>
               <a:ext uri="{FF2B5EF4-FFF2-40B4-BE49-F238E27FC236}">
-                <a16:creationId xmlns:a16="http://schemas.microsoft.com/office/drawing/2014/main" id="{8B22CB92-F268-1C4D-C346-07A4BD6659E7}"/>
+                <a16:creationId xmlns:a16="http://schemas.microsoft.com/office/drawing/2014/main" id="{F6D0BF0F-B02E-4EC0-BC65-F7560E7740D5}"/>
               </a:ext>
             </a:extLst>
           </p:cNvPr>
@@ -2116,7 +2116,7 @@
           <a:bodyPr/>
           <a:lstStyle/>
           <a:p>
-            <a:fld id="{3076BB10-9C29-4FFC-95BF-9013F3E08C43}" type="slidenum">
+            <a:fld id="{7FADD250-9C0C-4FA1-A7A4-88F4B6C6E99C}" type="slidenum">
               <a:rPr lang="zh-CN" altLang="en-US" smtClean="0"/>
               <a:t>‹#›</a:t>
             </a:fld>
@@ -2127,7 +2127,7 @@
     </p:spTree>
     <p:extLst>
       <p:ext uri="{BB962C8B-B14F-4D97-AF65-F5344CB8AC3E}">
-        <p14:creationId xmlns:p14="http://schemas.microsoft.com/office/powerpoint/2010/main" val="1749844308"/>
+        <p14:creationId xmlns:p14="http://schemas.microsoft.com/office/powerpoint/2010/main" val="1969405762"/>
       </p:ext>
     </p:extLst>
   </p:cSld>
@@ -2159,7 +2159,7 @@
           <p:cNvPr id="2" name="标题 1">
             <a:extLst>
               <a:ext uri="{FF2B5EF4-FFF2-40B4-BE49-F238E27FC236}">
-                <a16:creationId xmlns:a16="http://schemas.microsoft.com/office/drawing/2014/main" id="{597C175A-7681-97B8-65EF-2DE0F2597A7D}"/>
+                <a16:creationId xmlns:a16="http://schemas.microsoft.com/office/drawing/2014/main" id="{66A8E5A7-0B1A-9B69-1E55-6748A4443339}"/>
               </a:ext>
             </a:extLst>
           </p:cNvPr>
@@ -2196,7 +2196,7 @@
           <p:cNvPr id="3" name="内容占位符 2">
             <a:extLst>
               <a:ext uri="{FF2B5EF4-FFF2-40B4-BE49-F238E27FC236}">
-                <a16:creationId xmlns:a16="http://schemas.microsoft.com/office/drawing/2014/main" id="{D4C480A8-6344-2B44-735F-3D2419D00093}"/>
+                <a16:creationId xmlns:a16="http://schemas.microsoft.com/office/drawing/2014/main" id="{40C01EDC-B932-6AFE-E767-0EC4DB8F3902}"/>
               </a:ext>
             </a:extLst>
           </p:cNvPr>
@@ -2286,7 +2286,7 @@
           <p:cNvPr id="4" name="文本占位符 3">
             <a:extLst>
               <a:ext uri="{FF2B5EF4-FFF2-40B4-BE49-F238E27FC236}">
-                <a16:creationId xmlns:a16="http://schemas.microsoft.com/office/drawing/2014/main" id="{641139D4-3ADC-FBB4-3E61-22211F2054D8}"/>
+                <a16:creationId xmlns:a16="http://schemas.microsoft.com/office/drawing/2014/main" id="{3C859A87-8BC2-4C67-26F6-3193EF44BF42}"/>
               </a:ext>
             </a:extLst>
           </p:cNvPr>
@@ -2357,7 +2357,7 @@
           <p:cNvPr id="5" name="日期占位符 4">
             <a:extLst>
               <a:ext uri="{FF2B5EF4-FFF2-40B4-BE49-F238E27FC236}">
-                <a16:creationId xmlns:a16="http://schemas.microsoft.com/office/drawing/2014/main" id="{9DB871A5-3B7A-653A-7030-B1743F78D2B4}"/>
+                <a16:creationId xmlns:a16="http://schemas.microsoft.com/office/drawing/2014/main" id="{AD26822D-0D8E-E89D-4AF5-9E09312DD494}"/>
               </a:ext>
             </a:extLst>
           </p:cNvPr>
@@ -2373,7 +2373,7 @@
           <a:bodyPr/>
           <a:lstStyle/>
           <a:p>
-            <a:fld id="{6A92E900-2AA1-4C23-9729-14B850A08BA0}" type="datetimeFigureOut">
+            <a:fld id="{CEFDB355-7DC2-42C3-ABC7-3DACF8427651}" type="datetimeFigureOut">
               <a:rPr lang="zh-CN" altLang="en-US" smtClean="0"/>
               <a:t>2024/3/10</a:t>
             </a:fld>
@@ -2386,7 +2386,7 @@
           <p:cNvPr id="6" name="页脚占位符 5">
             <a:extLst>
               <a:ext uri="{FF2B5EF4-FFF2-40B4-BE49-F238E27FC236}">
-                <a16:creationId xmlns:a16="http://schemas.microsoft.com/office/drawing/2014/main" id="{605B0C34-E0E6-BF4A-FE5A-CBF63506C785}"/>
+                <a16:creationId xmlns:a16="http://schemas.microsoft.com/office/drawing/2014/main" id="{A93AAE70-D1AE-636C-1399-6D6D5D4F0155}"/>
               </a:ext>
             </a:extLst>
           </p:cNvPr>
@@ -2411,7 +2411,7 @@
           <p:cNvPr id="7" name="灯片编号占位符 6">
             <a:extLst>
               <a:ext uri="{FF2B5EF4-FFF2-40B4-BE49-F238E27FC236}">
-                <a16:creationId xmlns:a16="http://schemas.microsoft.com/office/drawing/2014/main" id="{B7FE7E8F-38FE-F8EB-0498-5E53EBF0A67B}"/>
+                <a16:creationId xmlns:a16="http://schemas.microsoft.com/office/drawing/2014/main" id="{9DEC4F11-F6B2-E376-353B-6E248CA32AAF}"/>
               </a:ext>
             </a:extLst>
           </p:cNvPr>
@@ -2427,7 +2427,7 @@
           <a:bodyPr/>
           <a:lstStyle/>
           <a:p>
-            <a:fld id="{3076BB10-9C29-4FFC-95BF-9013F3E08C43}" type="slidenum">
+            <a:fld id="{7FADD250-9C0C-4FA1-A7A4-88F4B6C6E99C}" type="slidenum">
               <a:rPr lang="zh-CN" altLang="en-US" smtClean="0"/>
               <a:t>‹#›</a:t>
             </a:fld>
@@ -2438,7 +2438,7 @@
     </p:spTree>
     <p:extLst>
       <p:ext uri="{BB962C8B-B14F-4D97-AF65-F5344CB8AC3E}">
-        <p14:creationId xmlns:p14="http://schemas.microsoft.com/office/powerpoint/2010/main" val="2477951361"/>
+        <p14:creationId xmlns:p14="http://schemas.microsoft.com/office/powerpoint/2010/main" val="132082137"/>
       </p:ext>
     </p:extLst>
   </p:cSld>
@@ -2470,7 +2470,7 @@
           <p:cNvPr id="2" name="标题 1">
             <a:extLst>
               <a:ext uri="{FF2B5EF4-FFF2-40B4-BE49-F238E27FC236}">
-                <a16:creationId xmlns:a16="http://schemas.microsoft.com/office/drawing/2014/main" id="{81CC1EB9-E7C9-4DD3-792C-3501C05AAC51}"/>
+                <a16:creationId xmlns:a16="http://schemas.microsoft.com/office/drawing/2014/main" id="{1898E042-2015-4A74-7261-F4E8E4642729}"/>
               </a:ext>
             </a:extLst>
           </p:cNvPr>
@@ -2507,7 +2507,7 @@
           <p:cNvPr id="3" name="图片占位符 2">
             <a:extLst>
               <a:ext uri="{FF2B5EF4-FFF2-40B4-BE49-F238E27FC236}">
-                <a16:creationId xmlns:a16="http://schemas.microsoft.com/office/drawing/2014/main" id="{ED45505F-27A5-5BAF-DC16-2EB31E63333C}"/>
+                <a16:creationId xmlns:a16="http://schemas.microsoft.com/office/drawing/2014/main" id="{0B26DD0C-77FE-285E-8DB4-CB998A012301}"/>
               </a:ext>
             </a:extLst>
           </p:cNvPr>
@@ -2574,7 +2574,7 @@
           <p:cNvPr id="4" name="文本占位符 3">
             <a:extLst>
               <a:ext uri="{FF2B5EF4-FFF2-40B4-BE49-F238E27FC236}">
-                <a16:creationId xmlns:a16="http://schemas.microsoft.com/office/drawing/2014/main" id="{0AE52EF4-B6A9-73B0-8EF0-070D1109C122}"/>
+                <a16:creationId xmlns:a16="http://schemas.microsoft.com/office/drawing/2014/main" id="{138DE5CE-D00E-9A04-E32B-E39503FD787E}"/>
               </a:ext>
             </a:extLst>
           </p:cNvPr>
@@ -2645,7 +2645,7 @@
           <p:cNvPr id="5" name="日期占位符 4">
             <a:extLst>
               <a:ext uri="{FF2B5EF4-FFF2-40B4-BE49-F238E27FC236}">
-                <a16:creationId xmlns:a16="http://schemas.microsoft.com/office/drawing/2014/main" id="{A4E21635-B2AC-40A2-E41F-6DACB3798A23}"/>
+                <a16:creationId xmlns:a16="http://schemas.microsoft.com/office/drawing/2014/main" id="{35E33184-2CAE-30D7-E76A-A8249F75A188}"/>
               </a:ext>
             </a:extLst>
           </p:cNvPr>
@@ -2661,7 +2661,7 @@
           <a:bodyPr/>
           <a:lstStyle/>
           <a:p>
-            <a:fld id="{6A92E900-2AA1-4C23-9729-14B850A08BA0}" type="datetimeFigureOut">
+            <a:fld id="{CEFDB355-7DC2-42C3-ABC7-3DACF8427651}" type="datetimeFigureOut">
               <a:rPr lang="zh-CN" altLang="en-US" smtClean="0"/>
               <a:t>2024/3/10</a:t>
             </a:fld>
@@ -2674,7 +2674,7 @@
           <p:cNvPr id="6" name="页脚占位符 5">
             <a:extLst>
               <a:ext uri="{FF2B5EF4-FFF2-40B4-BE49-F238E27FC236}">
-                <a16:creationId xmlns:a16="http://schemas.microsoft.com/office/drawing/2014/main" id="{E0F773CB-8A6F-7B3D-60DE-339212DAD8B7}"/>
+                <a16:creationId xmlns:a16="http://schemas.microsoft.com/office/drawing/2014/main" id="{A0C1BF97-5AFD-F1C7-EC8A-9858ABD9605B}"/>
               </a:ext>
             </a:extLst>
           </p:cNvPr>
@@ -2699,7 +2699,7 @@
           <p:cNvPr id="7" name="灯片编号占位符 6">
             <a:extLst>
               <a:ext uri="{FF2B5EF4-FFF2-40B4-BE49-F238E27FC236}">
-                <a16:creationId xmlns:a16="http://schemas.microsoft.com/office/drawing/2014/main" id="{A6767780-D490-8034-CC7D-57089ADB7C7F}"/>
+                <a16:creationId xmlns:a16="http://schemas.microsoft.com/office/drawing/2014/main" id="{21030A9F-1702-525E-625F-146B0429AC0C}"/>
               </a:ext>
             </a:extLst>
           </p:cNvPr>
@@ -2715,7 +2715,7 @@
           <a:bodyPr/>
           <a:lstStyle/>
           <a:p>
-            <a:fld id="{3076BB10-9C29-4FFC-95BF-9013F3E08C43}" type="slidenum">
+            <a:fld id="{7FADD250-9C0C-4FA1-A7A4-88F4B6C6E99C}" type="slidenum">
               <a:rPr lang="zh-CN" altLang="en-US" smtClean="0"/>
               <a:t>‹#›</a:t>
             </a:fld>
@@ -2726,7 +2726,7 @@
     </p:spTree>
     <p:extLst>
       <p:ext uri="{BB962C8B-B14F-4D97-AF65-F5344CB8AC3E}">
-        <p14:creationId xmlns:p14="http://schemas.microsoft.com/office/powerpoint/2010/main" val="4114581037"/>
+        <p14:creationId xmlns:p14="http://schemas.microsoft.com/office/powerpoint/2010/main" val="3386514756"/>
       </p:ext>
     </p:extLst>
   </p:cSld>
@@ -2763,7 +2763,7 @@
           <p:cNvPr id="2" name="标题占位符 1">
             <a:extLst>
               <a:ext uri="{FF2B5EF4-FFF2-40B4-BE49-F238E27FC236}">
-                <a16:creationId xmlns:a16="http://schemas.microsoft.com/office/drawing/2014/main" id="{BE09D05B-B8AF-13D5-FD82-5B2AF76FF5AB}"/>
+                <a16:creationId xmlns:a16="http://schemas.microsoft.com/office/drawing/2014/main" id="{3039D3EC-E3BE-1C0E-2B72-7FF9ECE66588}"/>
               </a:ext>
             </a:extLst>
           </p:cNvPr>
@@ -2801,7 +2801,7 @@
           <p:cNvPr id="3" name="文本占位符 2">
             <a:extLst>
               <a:ext uri="{FF2B5EF4-FFF2-40B4-BE49-F238E27FC236}">
-                <a16:creationId xmlns:a16="http://schemas.microsoft.com/office/drawing/2014/main" id="{92CF01C3-B72C-BC60-D198-12FC031C5631}"/>
+                <a16:creationId xmlns:a16="http://schemas.microsoft.com/office/drawing/2014/main" id="{A4200DD3-4941-C65D-D372-8F0BEBEF0E3C}"/>
               </a:ext>
             </a:extLst>
           </p:cNvPr>
@@ -2868,7 +2868,7 @@
           <p:cNvPr id="4" name="日期占位符 3">
             <a:extLst>
               <a:ext uri="{FF2B5EF4-FFF2-40B4-BE49-F238E27FC236}">
-                <a16:creationId xmlns:a16="http://schemas.microsoft.com/office/drawing/2014/main" id="{67FA65C7-6383-3E9D-3AAA-6141ADF2F685}"/>
+                <a16:creationId xmlns:a16="http://schemas.microsoft.com/office/drawing/2014/main" id="{FF56129F-E012-836B-E176-B80224DC4BD6}"/>
               </a:ext>
             </a:extLst>
           </p:cNvPr>
@@ -2902,7 +2902,7 @@
             </a:lvl1pPr>
           </a:lstStyle>
           <a:p>
-            <a:fld id="{6A92E900-2AA1-4C23-9729-14B850A08BA0}" type="datetimeFigureOut">
+            <a:fld id="{CEFDB355-7DC2-42C3-ABC7-3DACF8427651}" type="datetimeFigureOut">
               <a:rPr lang="zh-CN" altLang="en-US" smtClean="0"/>
               <a:t>2024/3/10</a:t>
             </a:fld>
@@ -2915,7 +2915,7 @@
           <p:cNvPr id="5" name="页脚占位符 4">
             <a:extLst>
               <a:ext uri="{FF2B5EF4-FFF2-40B4-BE49-F238E27FC236}">
-                <a16:creationId xmlns:a16="http://schemas.microsoft.com/office/drawing/2014/main" id="{986CCE66-1F63-164D-BF30-C78538F83665}"/>
+                <a16:creationId xmlns:a16="http://schemas.microsoft.com/office/drawing/2014/main" id="{6D43A26C-EA09-4A84-ABFD-ECB325F69FC7}"/>
               </a:ext>
             </a:extLst>
           </p:cNvPr>
@@ -2958,7 +2958,7 @@
           <p:cNvPr id="6" name="灯片编号占位符 5">
             <a:extLst>
               <a:ext uri="{FF2B5EF4-FFF2-40B4-BE49-F238E27FC236}">
-                <a16:creationId xmlns:a16="http://schemas.microsoft.com/office/drawing/2014/main" id="{6CC0F7DC-DE2D-1FA3-9206-72B6422251BA}"/>
+                <a16:creationId xmlns:a16="http://schemas.microsoft.com/office/drawing/2014/main" id="{B409546D-763D-D163-B62D-561264DBD989}"/>
               </a:ext>
             </a:extLst>
           </p:cNvPr>
@@ -2992,7 +2992,7 @@
             </a:lvl1pPr>
           </a:lstStyle>
           <a:p>
-            <a:fld id="{3076BB10-9C29-4FFC-95BF-9013F3E08C43}" type="slidenum">
+            <a:fld id="{7FADD250-9C0C-4FA1-A7A4-88F4B6C6E99C}" type="slidenum">
               <a:rPr lang="zh-CN" altLang="en-US" smtClean="0"/>
               <a:t>‹#›</a:t>
             </a:fld>
@@ -3003,7 +3003,7 @@
     </p:spTree>
     <p:extLst>
       <p:ext uri="{BB962C8B-B14F-4D97-AF65-F5344CB8AC3E}">
-        <p14:creationId xmlns:p14="http://schemas.microsoft.com/office/powerpoint/2010/main" val="3489717653"/>
+        <p14:creationId xmlns:p14="http://schemas.microsoft.com/office/powerpoint/2010/main" val="2861290367"/>
       </p:ext>
     </p:extLst>
   </p:cSld>
@@ -3323,7 +3323,7 @@
       </p:grpSpPr>
       <p:pic>
         <p:nvPicPr>
-          <p:cNvPr id="440322" name="Picture 2" descr="429"/>
+          <p:cNvPr id="441346" name="Picture 2" descr="430"/>
           <p:cNvPicPr>
             <a:picLocks noChangeAspect="1" noChangeArrowheads="1"/>
           </p:cNvPicPr>
@@ -3375,158 +3375,11 @@
           </a:extLst>
         </p:spPr>
       </p:pic>
-      <p:pic>
-        <p:nvPicPr>
-          <p:cNvPr id="441347" name="Picture 3" descr="429-2"/>
-          <p:cNvPicPr>
-            <a:picLocks noChangeAspect="1" noChangeArrowheads="1"/>
-          </p:cNvPicPr>
-          <p:nvPr/>
-        </p:nvPicPr>
-        <p:blipFill>
-          <a:blip r:embed="rId3">
-            <a:extLst>
-              <a:ext uri="{28A0092B-C50C-407E-A947-70E740481C1C}">
-                <a14:useLocalDpi xmlns:a14="http://schemas.microsoft.com/office/drawing/2010/main" val="0"/>
-              </a:ext>
-            </a:extLst>
-          </a:blip>
-          <a:srcRect/>
-          <a:stretch>
-            <a:fillRect/>
-          </a:stretch>
-        </p:blipFill>
-        <p:spPr bwMode="auto">
-          <a:xfrm>
-            <a:off x="1560513" y="44450"/>
-            <a:ext cx="9144000" cy="6858000"/>
-          </a:xfrm>
-          <a:prstGeom prst="rect">
-            <a:avLst/>
-          </a:prstGeom>
-          <a:noFill/>
-          <a:ln>
-            <a:noFill/>
-          </a:ln>
-          <a:effectLst/>
-          <a:extLst>
-            <a:ext uri="{909E8E84-426E-40DD-AFC4-6F175D3DCCD1}">
-              <a14:hiddenFill xmlns:a14="http://schemas.microsoft.com/office/drawing/2010/main">
-                <a:solidFill>
-                  <a:srgbClr val="FFFFFF"/>
-                </a:solidFill>
-              </a14:hiddenFill>
-            </a:ext>
-            <a:ext uri="{91240B29-F687-4F45-9708-019B960494DF}">
-              <a14:hiddenLine xmlns:a14="http://schemas.microsoft.com/office/drawing/2010/main" w="9525">
-                <a:solidFill>
-                  <a:srgbClr val="000000"/>
-                </a:solidFill>
-                <a:miter lim="800000"/>
-                <a:headEnd/>
-                <a:tailEnd/>
-              </a14:hiddenLine>
-            </a:ext>
-            <a:ext uri="{AF507438-7753-43E0-B8FC-AC1667EBCBE1}">
-              <a14:hiddenEffects xmlns:a14="http://schemas.microsoft.com/office/drawing/2010/main">
-                <a:effectLst>
-                  <a:outerShdw dist="35921" dir="2700000" algn="ctr" rotWithShape="0">
-                    <a:srgbClr val="808080"/>
-                  </a:outerShdw>
-                </a:effectLst>
-              </a14:hiddenEffects>
-            </a:ext>
-          </a:extLst>
-        </p:spPr>
-      </p:pic>
     </p:spTree>
   </p:cSld>
   <p:clrMapOvr>
     <a:masterClrMapping/>
   </p:clrMapOvr>
-  <p:timing>
-    <p:tnLst>
-      <p:par>
-        <p:cTn id="1" dur="indefinite" restart="never" nodeType="tmRoot">
-          <p:childTnLst>
-            <p:seq concurrent="1" nextAc="seek">
-              <p:cTn id="2" dur="indefinite" nodeType="mainSeq">
-                <p:childTnLst>
-                  <p:par>
-                    <p:cTn id="3" fill="hold" nodeType="clickPar">
-                      <p:stCondLst>
-                        <p:cond delay="indefinite"/>
-                      </p:stCondLst>
-                      <p:childTnLst>
-                        <p:par>
-                          <p:cTn id="4" fill="hold" nodeType="withGroup">
-                            <p:stCondLst>
-                              <p:cond delay="0"/>
-                            </p:stCondLst>
-                            <p:childTnLst>
-                              <p:par>
-                                <p:cTn id="5" presetID="10" presetClass="entr" presetSubtype="0" fill="hold" nodeType="clickEffect">
-                                  <p:stCondLst>
-                                    <p:cond delay="0"/>
-                                  </p:stCondLst>
-                                  <p:childTnLst>
-                                    <p:set>
-                                      <p:cBhvr>
-                                        <p:cTn id="6" dur="1" fill="hold">
-                                          <p:stCondLst>
-                                            <p:cond delay="0"/>
-                                          </p:stCondLst>
-                                        </p:cTn>
-                                        <p:tgtEl>
-                                          <p:spTgt spid="441347"/>
-                                        </p:tgtEl>
-                                        <p:attrNameLst>
-                                          <p:attrName>style.visibility</p:attrName>
-                                        </p:attrNameLst>
-                                      </p:cBhvr>
-                                      <p:to>
-                                        <p:strVal val="visible"/>
-                                      </p:to>
-                                    </p:set>
-                                    <p:animEffect transition="in" filter="fade">
-                                      <p:cBhvr>
-                                        <p:cTn id="7" dur="500"/>
-                                        <p:tgtEl>
-                                          <p:spTgt spid="441347"/>
-                                        </p:tgtEl>
-                                      </p:cBhvr>
-                                    </p:animEffect>
-                                  </p:childTnLst>
-                                </p:cTn>
-                              </p:par>
-                            </p:childTnLst>
-                          </p:cTn>
-                        </p:par>
-                      </p:childTnLst>
-                    </p:cTn>
-                  </p:par>
-                </p:childTnLst>
-              </p:cTn>
-              <p:prevCondLst>
-                <p:cond evt="onPrev" delay="0">
-                  <p:tgtEl>
-                    <p:sldTgt/>
-                  </p:tgtEl>
-                </p:cond>
-              </p:prevCondLst>
-              <p:nextCondLst>
-                <p:cond evt="onNext" delay="0">
-                  <p:tgtEl>
-                    <p:sldTgt/>
-                  </p:tgtEl>
-                </p:cond>
-              </p:nextCondLst>
-            </p:seq>
-          </p:childTnLst>
-        </p:cTn>
-      </p:par>
-    </p:tnLst>
-  </p:timing>
 </p:sld>
 </file>
 
